--- a/vue原码分析.pptx
+++ b/vue原码分析.pptx
@@ -9,18 +9,19 @@
     <p:sldId id="257" r:id="rId3"/>
     <p:sldId id="258" r:id="rId4"/>
     <p:sldId id="259" r:id="rId5"/>
-    <p:sldId id="260" r:id="rId6"/>
-    <p:sldId id="265" r:id="rId7"/>
-    <p:sldId id="261" r:id="rId8"/>
-    <p:sldId id="262" r:id="rId9"/>
-    <p:sldId id="263" r:id="rId10"/>
-    <p:sldId id="264" r:id="rId11"/>
-    <p:sldId id="266" r:id="rId12"/>
-    <p:sldId id="267" r:id="rId13"/>
-    <p:sldId id="268" r:id="rId14"/>
-    <p:sldId id="269" r:id="rId15"/>
-    <p:sldId id="270" r:id="rId16"/>
-    <p:sldId id="271" r:id="rId17"/>
+    <p:sldId id="272" r:id="rId6"/>
+    <p:sldId id="260" r:id="rId7"/>
+    <p:sldId id="265" r:id="rId8"/>
+    <p:sldId id="261" r:id="rId9"/>
+    <p:sldId id="262" r:id="rId10"/>
+    <p:sldId id="263" r:id="rId11"/>
+    <p:sldId id="264" r:id="rId12"/>
+    <p:sldId id="266" r:id="rId13"/>
+    <p:sldId id="267" r:id="rId14"/>
+    <p:sldId id="268" r:id="rId15"/>
+    <p:sldId id="269" r:id="rId16"/>
+    <p:sldId id="270" r:id="rId17"/>
+    <p:sldId id="271" r:id="rId18"/>
   </p:sldIdLst>
   <p:sldSz cx="12192000" cy="6858000"/>
   <p:notesSz cx="6858000" cy="9144000"/>
@@ -947,7 +948,7 @@
           <a:p>
             <a:fld id="{0C0661CE-84F0-D44F-9A24-4FD414E1449F}" type="datetimeFigureOut">
               <a:rPr kumimoji="1" lang="zh-CN" altLang="en-US" smtClean="0"/>
-              <a:t>2020/4/12</a:t>
+              <a:t>2021/3/28</a:t>
             </a:fld>
             <a:endParaRPr kumimoji="1" lang="zh-CN" altLang="en-US"/>
           </a:p>
@@ -1145,7 +1146,7 @@
           <a:p>
             <a:fld id="{0C0661CE-84F0-D44F-9A24-4FD414E1449F}" type="datetimeFigureOut">
               <a:rPr kumimoji="1" lang="zh-CN" altLang="en-US" smtClean="0"/>
-              <a:t>2020/4/12</a:t>
+              <a:t>2021/3/28</a:t>
             </a:fld>
             <a:endParaRPr kumimoji="1" lang="zh-CN" altLang="en-US"/>
           </a:p>
@@ -1353,7 +1354,7 @@
           <a:p>
             <a:fld id="{0C0661CE-84F0-D44F-9A24-4FD414E1449F}" type="datetimeFigureOut">
               <a:rPr kumimoji="1" lang="zh-CN" altLang="en-US" smtClean="0"/>
-              <a:t>2020/4/12</a:t>
+              <a:t>2021/3/28</a:t>
             </a:fld>
             <a:endParaRPr kumimoji="1" lang="zh-CN" altLang="en-US"/>
           </a:p>
@@ -1551,7 +1552,7 @@
           <a:p>
             <a:fld id="{0C0661CE-84F0-D44F-9A24-4FD414E1449F}" type="datetimeFigureOut">
               <a:rPr kumimoji="1" lang="zh-CN" altLang="en-US" smtClean="0"/>
-              <a:t>2020/4/12</a:t>
+              <a:t>2021/3/28</a:t>
             </a:fld>
             <a:endParaRPr kumimoji="1" lang="zh-CN" altLang="en-US"/>
           </a:p>
@@ -1826,7 +1827,7 @@
           <a:p>
             <a:fld id="{0C0661CE-84F0-D44F-9A24-4FD414E1449F}" type="datetimeFigureOut">
               <a:rPr kumimoji="1" lang="zh-CN" altLang="en-US" smtClean="0"/>
-              <a:t>2020/4/12</a:t>
+              <a:t>2021/3/28</a:t>
             </a:fld>
             <a:endParaRPr kumimoji="1" lang="zh-CN" altLang="en-US"/>
           </a:p>
@@ -2091,7 +2092,7 @@
           <a:p>
             <a:fld id="{0C0661CE-84F0-D44F-9A24-4FD414E1449F}" type="datetimeFigureOut">
               <a:rPr kumimoji="1" lang="zh-CN" altLang="en-US" smtClean="0"/>
-              <a:t>2020/4/12</a:t>
+              <a:t>2021/3/28</a:t>
             </a:fld>
             <a:endParaRPr kumimoji="1" lang="zh-CN" altLang="en-US"/>
           </a:p>
@@ -2503,7 +2504,7 @@
           <a:p>
             <a:fld id="{0C0661CE-84F0-D44F-9A24-4FD414E1449F}" type="datetimeFigureOut">
               <a:rPr kumimoji="1" lang="zh-CN" altLang="en-US" smtClean="0"/>
-              <a:t>2020/4/12</a:t>
+              <a:t>2021/3/28</a:t>
             </a:fld>
             <a:endParaRPr kumimoji="1" lang="zh-CN" altLang="en-US"/>
           </a:p>
@@ -2644,7 +2645,7 @@
           <a:p>
             <a:fld id="{0C0661CE-84F0-D44F-9A24-4FD414E1449F}" type="datetimeFigureOut">
               <a:rPr kumimoji="1" lang="zh-CN" altLang="en-US" smtClean="0"/>
-              <a:t>2020/4/12</a:t>
+              <a:t>2021/3/28</a:t>
             </a:fld>
             <a:endParaRPr kumimoji="1" lang="zh-CN" altLang="en-US"/>
           </a:p>
@@ -2757,7 +2758,7 @@
           <a:p>
             <a:fld id="{0C0661CE-84F0-D44F-9A24-4FD414E1449F}" type="datetimeFigureOut">
               <a:rPr kumimoji="1" lang="zh-CN" altLang="en-US" smtClean="0"/>
-              <a:t>2020/4/12</a:t>
+              <a:t>2021/3/28</a:t>
             </a:fld>
             <a:endParaRPr kumimoji="1" lang="zh-CN" altLang="en-US"/>
           </a:p>
@@ -3068,7 +3069,7 @@
           <a:p>
             <a:fld id="{0C0661CE-84F0-D44F-9A24-4FD414E1449F}" type="datetimeFigureOut">
               <a:rPr kumimoji="1" lang="zh-CN" altLang="en-US" smtClean="0"/>
-              <a:t>2020/4/12</a:t>
+              <a:t>2021/3/28</a:t>
             </a:fld>
             <a:endParaRPr kumimoji="1" lang="zh-CN" altLang="en-US"/>
           </a:p>
@@ -3356,7 +3357,7 @@
           <a:p>
             <a:fld id="{0C0661CE-84F0-D44F-9A24-4FD414E1449F}" type="datetimeFigureOut">
               <a:rPr kumimoji="1" lang="zh-CN" altLang="en-US" smtClean="0"/>
-              <a:t>2020/4/12</a:t>
+              <a:t>2021/3/28</a:t>
             </a:fld>
             <a:endParaRPr kumimoji="1" lang="zh-CN" altLang="en-US"/>
           </a:p>
@@ -3597,7 +3598,7 @@
           <a:p>
             <a:fld id="{0C0661CE-84F0-D44F-9A24-4FD414E1449F}" type="datetimeFigureOut">
               <a:rPr kumimoji="1" lang="zh-CN" altLang="en-US" smtClean="0"/>
-              <a:t>2020/4/12</a:t>
+              <a:t>2021/3/28</a:t>
             </a:fld>
             <a:endParaRPr kumimoji="1" lang="zh-CN" altLang="en-US"/>
           </a:p>
@@ -4125,7 +4126,7 @@
           <p:cNvPr id="2" name="标题 1">
             <a:extLst>
               <a:ext uri="{FF2B5EF4-FFF2-40B4-BE49-F238E27FC236}">
-                <a16:creationId xmlns:a16="http://schemas.microsoft.com/office/drawing/2014/main" id="{D0BEB3A2-9D12-428E-904F-67C52ECEFD39}"/>
+                <a16:creationId xmlns:a16="http://schemas.microsoft.com/office/drawing/2014/main" id="{9CF7C433-E3F2-4A18-8ED8-7C0937662ED4}"/>
               </a:ext>
             </a:extLst>
           </p:cNvPr>
@@ -4139,7 +4140,7 @@
         <p:spPr>
           <a:xfrm>
             <a:off x="838200" y="365126"/>
-            <a:ext cx="10515600" cy="946840"/>
+            <a:ext cx="10515600" cy="880578"/>
           </a:xfrm>
         </p:spPr>
         <p:txBody>
@@ -4148,10 +4149,6 @@
           </a:bodyPr>
           <a:lstStyle/>
           <a:p>
-            <a:pPr marL="571500" indent="-571500">
-              <a:buFont typeface="Wingdings" panose="05000000000000000000" pitchFamily="2" charset="2"/>
-              <a:buChar char="Ø"/>
-            </a:pPr>
             <a:r>
               <a:rPr lang="zh-CN" altLang="en-US" sz="3600" dirty="0"/>
               <a:t>模板编译原理</a:t>
@@ -4164,7 +4161,7 @@
           <p:cNvPr id="3" name="内容占位符 2">
             <a:extLst>
               <a:ext uri="{FF2B5EF4-FFF2-40B4-BE49-F238E27FC236}">
-                <a16:creationId xmlns:a16="http://schemas.microsoft.com/office/drawing/2014/main" id="{995C584A-79D2-470A-BF8F-858A10D08558}"/>
+                <a16:creationId xmlns:a16="http://schemas.microsoft.com/office/drawing/2014/main" id="{9719F1A7-3246-45FB-A189-0898FBD8CA11}"/>
               </a:ext>
             </a:extLst>
           </p:cNvPr>
@@ -4177,8 +4174,8 @@
         </p:nvSpPr>
         <p:spPr>
           <a:xfrm>
-            <a:off x="838200" y="1417983"/>
-            <a:ext cx="10515600" cy="4758980"/>
+            <a:off x="838200" y="1431236"/>
+            <a:ext cx="10515600" cy="4745727"/>
           </a:xfrm>
         </p:spPr>
         <p:txBody>
@@ -4187,7 +4184,7 @@
           <a:p>
             <a:r>
               <a:rPr lang="zh-CN" altLang="en-US" dirty="0"/>
-              <a:t>代码生成器生成代码字符串示例，代码生成器是模板编译的最后一步，将</a:t>
+              <a:t>解析器生成</a:t>
             </a:r>
             <a:r>
               <a:rPr lang="en-US" altLang="zh-CN" dirty="0"/>
@@ -4195,9 +4192,8 @@
             </a:r>
             <a:r>
               <a:rPr lang="zh-CN" altLang="en-US" dirty="0"/>
-              <a:t>渲染成渲染函数中的内容，称为“代码字符串”。</a:t>
-            </a:r>
-            <a:endParaRPr lang="en-US" altLang="zh-CN" dirty="0"/>
+              <a:t>抽象语法树示例</a:t>
+            </a:r>
           </a:p>
         </p:txBody>
       </p:sp>
@@ -4206,7 +4202,7 @@
           <p:cNvPr id="4" name="图片 3">
             <a:extLst>
               <a:ext uri="{FF2B5EF4-FFF2-40B4-BE49-F238E27FC236}">
-                <a16:creationId xmlns:a16="http://schemas.microsoft.com/office/drawing/2014/main" id="{09DFCAF8-F548-44AA-AA56-E241CF30DC35}"/>
+                <a16:creationId xmlns:a16="http://schemas.microsoft.com/office/drawing/2014/main" id="{E332CDF2-E449-4EB3-8BE4-EB1BE7F2A90D}"/>
               </a:ext>
             </a:extLst>
           </p:cNvPr>
@@ -4223,8 +4219,8 @@
         </p:blipFill>
         <p:spPr>
           <a:xfrm>
-            <a:off x="838200" y="2448359"/>
-            <a:ext cx="3556183" cy="381020"/>
+            <a:off x="838200" y="2025073"/>
+            <a:ext cx="1930499" cy="952549"/>
           </a:xfrm>
           <a:prstGeom prst="rect">
             <a:avLst/>
@@ -4236,7 +4232,7 @@
           <p:cNvPr id="5" name="图片 4">
             <a:extLst>
               <a:ext uri="{FF2B5EF4-FFF2-40B4-BE49-F238E27FC236}">
-                <a16:creationId xmlns:a16="http://schemas.microsoft.com/office/drawing/2014/main" id="{87AB1E8A-9B96-4AA8-B475-81E251BED6B0}"/>
+                <a16:creationId xmlns:a16="http://schemas.microsoft.com/office/drawing/2014/main" id="{ADF2B54C-8D9F-4E0F-B2C3-8B2CC72AE401}"/>
               </a:ext>
             </a:extLst>
           </p:cNvPr>
@@ -4253,65 +4249,18 @@
         </p:blipFill>
         <p:spPr>
           <a:xfrm>
-            <a:off x="838200" y="2935396"/>
-            <a:ext cx="3975304" cy="2578233"/>
+            <a:off x="6096000" y="88648"/>
+            <a:ext cx="3683189" cy="6667843"/>
           </a:xfrm>
           <a:prstGeom prst="rect">
             <a:avLst/>
           </a:prstGeom>
         </p:spPr>
       </p:pic>
-      <p:sp>
-        <p:nvSpPr>
-          <p:cNvPr id="6" name="文本框 5">
-            <a:extLst>
-              <a:ext uri="{FF2B5EF4-FFF2-40B4-BE49-F238E27FC236}">
-                <a16:creationId xmlns:a16="http://schemas.microsoft.com/office/drawing/2014/main" id="{1214BD44-76B7-4DAB-B0C9-6A937A989EE8}"/>
-              </a:ext>
-            </a:extLst>
-          </p:cNvPr>
-          <p:cNvSpPr txBox="1"/>
-          <p:nvPr/>
-        </p:nvSpPr>
-        <p:spPr>
-          <a:xfrm>
-            <a:off x="7695028" y="4304714"/>
-            <a:ext cx="3038621" cy="369332"/>
-          </a:xfrm>
-          <a:prstGeom prst="rect">
-            <a:avLst/>
-          </a:prstGeom>
-          <a:noFill/>
-        </p:spPr>
-        <p:txBody>
-          <a:bodyPr wrap="square" rtlCol="0">
-            <a:spAutoFit/>
-          </a:bodyPr>
-          <a:lstStyle/>
-          <a:p>
-            <a:r>
-              <a:rPr lang="en-US" altLang="zh-CN" dirty="0"/>
-              <a:t>_c _v  </a:t>
-            </a:r>
-            <a:r>
-              <a:rPr lang="zh-CN" altLang="en-US" dirty="0"/>
-              <a:t>都是创建</a:t>
-            </a:r>
-            <a:r>
-              <a:rPr lang="en-US" altLang="zh-CN" dirty="0" err="1"/>
-              <a:t>vnode</a:t>
-            </a:r>
-            <a:r>
-              <a:rPr lang="zh-CN" altLang="en-US" dirty="0"/>
-              <a:t>的方法</a:t>
-            </a:r>
-          </a:p>
-        </p:txBody>
-      </p:sp>
     </p:spTree>
     <p:extLst>
       <p:ext uri="{BB962C8B-B14F-4D97-AF65-F5344CB8AC3E}">
-        <p14:creationId xmlns:p14="http://schemas.microsoft.com/office/powerpoint/2010/main" val="427613350"/>
+        <p14:creationId xmlns:p14="http://schemas.microsoft.com/office/powerpoint/2010/main" val="1842183531"/>
       </p:ext>
     </p:extLst>
   </p:cSld>
@@ -4343,6 +4292,224 @@
           <p:cNvPr id="2" name="标题 1">
             <a:extLst>
               <a:ext uri="{FF2B5EF4-FFF2-40B4-BE49-F238E27FC236}">
+                <a16:creationId xmlns:a16="http://schemas.microsoft.com/office/drawing/2014/main" id="{D0BEB3A2-9D12-428E-904F-67C52ECEFD39}"/>
+              </a:ext>
+            </a:extLst>
+          </p:cNvPr>
+          <p:cNvSpPr>
+            <a:spLocks noGrp="1"/>
+          </p:cNvSpPr>
+          <p:nvPr>
+            <p:ph type="title"/>
+          </p:nvPr>
+        </p:nvSpPr>
+        <p:spPr>
+          <a:xfrm>
+            <a:off x="838200" y="365126"/>
+            <a:ext cx="10515600" cy="946840"/>
+          </a:xfrm>
+        </p:spPr>
+        <p:txBody>
+          <a:bodyPr>
+            <a:normAutofit/>
+          </a:bodyPr>
+          <a:lstStyle/>
+          <a:p>
+            <a:pPr marL="571500" indent="-571500">
+              <a:buFont typeface="Wingdings" panose="05000000000000000000" pitchFamily="2" charset="2"/>
+              <a:buChar char="Ø"/>
+            </a:pPr>
+            <a:r>
+              <a:rPr lang="zh-CN" altLang="en-US" sz="3600" dirty="0"/>
+              <a:t>模板编译原理</a:t>
+            </a:r>
+          </a:p>
+        </p:txBody>
+      </p:sp>
+      <p:sp>
+        <p:nvSpPr>
+          <p:cNvPr id="3" name="内容占位符 2">
+            <a:extLst>
+              <a:ext uri="{FF2B5EF4-FFF2-40B4-BE49-F238E27FC236}">
+                <a16:creationId xmlns:a16="http://schemas.microsoft.com/office/drawing/2014/main" id="{995C584A-79D2-470A-BF8F-858A10D08558}"/>
+              </a:ext>
+            </a:extLst>
+          </p:cNvPr>
+          <p:cNvSpPr>
+            <a:spLocks noGrp="1"/>
+          </p:cNvSpPr>
+          <p:nvPr>
+            <p:ph idx="1"/>
+          </p:nvPr>
+        </p:nvSpPr>
+        <p:spPr>
+          <a:xfrm>
+            <a:off x="838200" y="1417983"/>
+            <a:ext cx="10515600" cy="4758980"/>
+          </a:xfrm>
+        </p:spPr>
+        <p:txBody>
+          <a:bodyPr/>
+          <a:lstStyle/>
+          <a:p>
+            <a:r>
+              <a:rPr lang="zh-CN" altLang="en-US" dirty="0"/>
+              <a:t>代码生成器生成代码字符串示例，代码生成器是模板编译的最后一步，将</a:t>
+            </a:r>
+            <a:r>
+              <a:rPr lang="en-US" altLang="zh-CN" dirty="0"/>
+              <a:t>AST</a:t>
+            </a:r>
+            <a:r>
+              <a:rPr lang="zh-CN" altLang="en-US" dirty="0"/>
+              <a:t>渲染成渲染函数中的内容，称为“代码字符串”。</a:t>
+            </a:r>
+            <a:endParaRPr lang="en-US" altLang="zh-CN" dirty="0"/>
+          </a:p>
+        </p:txBody>
+      </p:sp>
+      <p:pic>
+        <p:nvPicPr>
+          <p:cNvPr id="4" name="图片 3">
+            <a:extLst>
+              <a:ext uri="{FF2B5EF4-FFF2-40B4-BE49-F238E27FC236}">
+                <a16:creationId xmlns:a16="http://schemas.microsoft.com/office/drawing/2014/main" id="{09DFCAF8-F548-44AA-AA56-E241CF30DC35}"/>
+              </a:ext>
+            </a:extLst>
+          </p:cNvPr>
+          <p:cNvPicPr>
+            <a:picLocks noChangeAspect="1"/>
+          </p:cNvPicPr>
+          <p:nvPr/>
+        </p:nvPicPr>
+        <p:blipFill>
+          <a:blip r:embed="rId2"/>
+          <a:stretch>
+            <a:fillRect/>
+          </a:stretch>
+        </p:blipFill>
+        <p:spPr>
+          <a:xfrm>
+            <a:off x="838200" y="2448359"/>
+            <a:ext cx="3556183" cy="381020"/>
+          </a:xfrm>
+          <a:prstGeom prst="rect">
+            <a:avLst/>
+          </a:prstGeom>
+        </p:spPr>
+      </p:pic>
+      <p:pic>
+        <p:nvPicPr>
+          <p:cNvPr id="5" name="图片 4">
+            <a:extLst>
+              <a:ext uri="{FF2B5EF4-FFF2-40B4-BE49-F238E27FC236}">
+                <a16:creationId xmlns:a16="http://schemas.microsoft.com/office/drawing/2014/main" id="{87AB1E8A-9B96-4AA8-B475-81E251BED6B0}"/>
+              </a:ext>
+            </a:extLst>
+          </p:cNvPr>
+          <p:cNvPicPr>
+            <a:picLocks noChangeAspect="1"/>
+          </p:cNvPicPr>
+          <p:nvPr/>
+        </p:nvPicPr>
+        <p:blipFill>
+          <a:blip r:embed="rId3"/>
+          <a:stretch>
+            <a:fillRect/>
+          </a:stretch>
+        </p:blipFill>
+        <p:spPr>
+          <a:xfrm>
+            <a:off x="838200" y="2935396"/>
+            <a:ext cx="3975304" cy="2578233"/>
+          </a:xfrm>
+          <a:prstGeom prst="rect">
+            <a:avLst/>
+          </a:prstGeom>
+        </p:spPr>
+      </p:pic>
+      <p:sp>
+        <p:nvSpPr>
+          <p:cNvPr id="6" name="文本框 5">
+            <a:extLst>
+              <a:ext uri="{FF2B5EF4-FFF2-40B4-BE49-F238E27FC236}">
+                <a16:creationId xmlns:a16="http://schemas.microsoft.com/office/drawing/2014/main" id="{1214BD44-76B7-4DAB-B0C9-6A937A989EE8}"/>
+              </a:ext>
+            </a:extLst>
+          </p:cNvPr>
+          <p:cNvSpPr txBox="1"/>
+          <p:nvPr/>
+        </p:nvSpPr>
+        <p:spPr>
+          <a:xfrm>
+            <a:off x="7695028" y="4304714"/>
+            <a:ext cx="3038621" cy="369332"/>
+          </a:xfrm>
+          <a:prstGeom prst="rect">
+            <a:avLst/>
+          </a:prstGeom>
+          <a:noFill/>
+        </p:spPr>
+        <p:txBody>
+          <a:bodyPr wrap="square" rtlCol="0">
+            <a:spAutoFit/>
+          </a:bodyPr>
+          <a:lstStyle/>
+          <a:p>
+            <a:r>
+              <a:rPr lang="en-US" altLang="zh-CN" dirty="0"/>
+              <a:t>_c _v  </a:t>
+            </a:r>
+            <a:r>
+              <a:rPr lang="zh-CN" altLang="en-US" dirty="0"/>
+              <a:t>都是创建</a:t>
+            </a:r>
+            <a:r>
+              <a:rPr lang="en-US" altLang="zh-CN" dirty="0" err="1"/>
+              <a:t>vnode</a:t>
+            </a:r>
+            <a:r>
+              <a:rPr lang="zh-CN" altLang="en-US" dirty="0"/>
+              <a:t>的方法</a:t>
+            </a:r>
+          </a:p>
+        </p:txBody>
+      </p:sp>
+    </p:spTree>
+    <p:extLst>
+      <p:ext uri="{BB962C8B-B14F-4D97-AF65-F5344CB8AC3E}">
+        <p14:creationId xmlns:p14="http://schemas.microsoft.com/office/powerpoint/2010/main" val="427613350"/>
+      </p:ext>
+    </p:extLst>
+  </p:cSld>
+  <p:clrMapOvr>
+    <a:masterClrMapping/>
+  </p:clrMapOvr>
+</p:sld>
+</file>
+
+<file path=ppt/slides/slide12.xml><?xml version="1.0" encoding="utf-8"?>
+<p:sld xmlns:a="http://schemas.openxmlformats.org/drawingml/2006/main" xmlns:r="http://schemas.openxmlformats.org/officeDocument/2006/relationships" xmlns:p="http://schemas.openxmlformats.org/presentationml/2006/main">
+  <p:cSld>
+    <p:spTree>
+      <p:nvGrpSpPr>
+        <p:cNvPr id="1" name=""/>
+        <p:cNvGrpSpPr/>
+        <p:nvPr/>
+      </p:nvGrpSpPr>
+      <p:grpSpPr>
+        <a:xfrm>
+          <a:off x="0" y="0"/>
+          <a:ext cx="0" cy="0"/>
+          <a:chOff x="0" y="0"/>
+          <a:chExt cx="0" cy="0"/>
+        </a:xfrm>
+      </p:grpSpPr>
+      <p:sp>
+        <p:nvSpPr>
+          <p:cNvPr id="2" name="标题 1">
+            <a:extLst>
+              <a:ext uri="{FF2B5EF4-FFF2-40B4-BE49-F238E27FC236}">
                 <a16:creationId xmlns:a16="http://schemas.microsoft.com/office/drawing/2014/main" id="{BA75FE3D-AF2A-4C3D-B7A5-A81E559AC18F}"/>
               </a:ext>
             </a:extLst>
@@ -4593,7 +4760,7 @@
 </p:sld>
 </file>
 
-<file path=ppt/slides/slide12.xml><?xml version="1.0" encoding="utf-8"?>
+<file path=ppt/slides/slide13.xml><?xml version="1.0" encoding="utf-8"?>
 <p:sld xmlns:a="http://schemas.openxmlformats.org/drawingml/2006/main" xmlns:r="http://schemas.openxmlformats.org/officeDocument/2006/relationships" xmlns:p="http://schemas.openxmlformats.org/presentationml/2006/main">
   <p:cSld>
     <p:spTree>
@@ -4742,159 +4909,6 @@
 </p:sld>
 </file>
 
-<file path=ppt/slides/slide13.xml><?xml version="1.0" encoding="utf-8"?>
-<p:sld xmlns:a="http://schemas.openxmlformats.org/drawingml/2006/main" xmlns:r="http://schemas.openxmlformats.org/officeDocument/2006/relationships" xmlns:p="http://schemas.openxmlformats.org/presentationml/2006/main">
-  <p:cSld>
-    <p:spTree>
-      <p:nvGrpSpPr>
-        <p:cNvPr id="1" name=""/>
-        <p:cNvGrpSpPr/>
-        <p:nvPr/>
-      </p:nvGrpSpPr>
-      <p:grpSpPr>
-        <a:xfrm>
-          <a:off x="0" y="0"/>
-          <a:ext cx="0" cy="0"/>
-          <a:chOff x="0" y="0"/>
-          <a:chExt cx="0" cy="0"/>
-        </a:xfrm>
-      </p:grpSpPr>
-      <p:sp>
-        <p:nvSpPr>
-          <p:cNvPr id="2" name="标题 1">
-            <a:extLst>
-              <a:ext uri="{FF2B5EF4-FFF2-40B4-BE49-F238E27FC236}">
-                <a16:creationId xmlns:a16="http://schemas.microsoft.com/office/drawing/2014/main" id="{BA2BAD76-EF03-494F-B898-FDF4535EFC18}"/>
-              </a:ext>
-            </a:extLst>
-          </p:cNvPr>
-          <p:cNvSpPr>
-            <a:spLocks noGrp="1"/>
-          </p:cNvSpPr>
-          <p:nvPr>
-            <p:ph type="title"/>
-          </p:nvPr>
-        </p:nvSpPr>
-        <p:spPr>
-          <a:xfrm>
-            <a:off x="838200" y="365125"/>
-            <a:ext cx="10515600" cy="1013509"/>
-          </a:xfrm>
-        </p:spPr>
-        <p:txBody>
-          <a:bodyPr>
-            <a:normAutofit/>
-          </a:bodyPr>
-          <a:lstStyle/>
-          <a:p>
-            <a:pPr marL="571500" indent="-571500">
-              <a:buFont typeface="Wingdings" pitchFamily="2" charset="2"/>
-              <a:buChar char="Ø"/>
-            </a:pPr>
-            <a:r>
-              <a:rPr kumimoji="1" lang="en-US" altLang="zh-CN" sz="3600" dirty="0"/>
-              <a:t>Vue</a:t>
-            </a:r>
-            <a:r>
-              <a:rPr kumimoji="1" lang="zh-CN" altLang="en-US" sz="3600" dirty="0"/>
-              <a:t>中的设计模式</a:t>
-            </a:r>
-          </a:p>
-        </p:txBody>
-      </p:sp>
-      <p:sp>
-        <p:nvSpPr>
-          <p:cNvPr id="3" name="内容占位符 2">
-            <a:extLst>
-              <a:ext uri="{FF2B5EF4-FFF2-40B4-BE49-F238E27FC236}">
-                <a16:creationId xmlns:a16="http://schemas.microsoft.com/office/drawing/2014/main" id="{AE9C3B86-A401-0B4F-9654-A6755BB22487}"/>
-              </a:ext>
-            </a:extLst>
-          </p:cNvPr>
-          <p:cNvSpPr>
-            <a:spLocks noGrp="1"/>
-          </p:cNvSpPr>
-          <p:nvPr>
-            <p:ph idx="1"/>
-          </p:nvPr>
-        </p:nvSpPr>
-        <p:spPr>
-          <a:xfrm>
-            <a:off x="838200" y="1505243"/>
-            <a:ext cx="10515600" cy="4671720"/>
-          </a:xfrm>
-        </p:spPr>
-        <p:txBody>
-          <a:bodyPr/>
-          <a:lstStyle/>
-          <a:p>
-            <a:r>
-              <a:rPr lang="zh-CN" altLang="en-US" dirty="0"/>
-              <a:t>为什么要读源码，好的框架源码可以帮助我们理解什么是好代码</a:t>
-            </a:r>
-            <a:r>
-              <a:rPr lang="en-US" altLang="zh-CN" dirty="0"/>
-              <a:t>, </a:t>
-            </a:r>
-            <a:r>
-              <a:rPr kumimoji="1" lang="zh-CN" altLang="en-US" dirty="0"/>
-              <a:t>读源码是为了能写出高质量的代码，像</a:t>
-            </a:r>
-            <a:r>
-              <a:rPr kumimoji="1" lang="en-US" altLang="zh-CN" dirty="0" err="1"/>
-              <a:t>vue</a:t>
-            </a:r>
-            <a:r>
-              <a:rPr kumimoji="1" lang="zh-CN" altLang="en-US" dirty="0"/>
-              <a:t> </a:t>
-            </a:r>
-            <a:r>
-              <a:rPr kumimoji="1" lang="en-US" altLang="zh-CN" dirty="0"/>
-              <a:t>spring</a:t>
-            </a:r>
-            <a:r>
-              <a:rPr kumimoji="1" lang="zh-CN" altLang="en-US" dirty="0"/>
-              <a:t>这些框架中有优质的代码可以借鉴，比如设计模式等。</a:t>
-            </a:r>
-            <a:endParaRPr kumimoji="1" lang="en-US" altLang="zh-CN" dirty="0"/>
-          </a:p>
-          <a:p>
-            <a:r>
-              <a:rPr kumimoji="1" lang="en-US" altLang="zh-CN" dirty="0"/>
-              <a:t>Vue</a:t>
-            </a:r>
-            <a:r>
-              <a:rPr kumimoji="1" lang="zh-CN" altLang="en-US" dirty="0"/>
-              <a:t>混合使用了一些</a:t>
-            </a:r>
-            <a:r>
-              <a:rPr kumimoji="1" lang="en-US" altLang="zh-CN" dirty="0" err="1"/>
-              <a:t>javascript</a:t>
-            </a:r>
-            <a:r>
-              <a:rPr kumimoji="1" lang="zh-CN" altLang="en-US"/>
-              <a:t>的设计</a:t>
-            </a:r>
-            <a:r>
-              <a:rPr kumimoji="1" lang="zh-CN" altLang="en-US" dirty="0"/>
-              <a:t>模式</a:t>
-            </a:r>
-          </a:p>
-        </p:txBody>
-      </p:sp>
-    </p:spTree>
-    <p:extLst>
-      <p:ext uri="{BB962C8B-B14F-4D97-AF65-F5344CB8AC3E}">
-        <p14:creationId xmlns:p14="http://schemas.microsoft.com/office/powerpoint/2010/main" val="678499110"/>
-      </p:ext>
-    </p:extLst>
-  </p:cSld>
-  <p:clrMapOvr>
-    <a:masterClrMapping/>
-  </p:clrMapOvr>
-</p:sld>
-</file>
-
 <file path=ppt/slides/slide14.xml><?xml version="1.0" encoding="utf-8"?>
 <p:sld xmlns:a="http://schemas.openxmlformats.org/drawingml/2006/main" xmlns:r="http://schemas.openxmlformats.org/officeDocument/2006/relationships" xmlns:p="http://schemas.openxmlformats.org/presentationml/2006/main">
   <p:cSld>
@@ -4982,6 +4996,159 @@
           <a:lstStyle/>
           <a:p>
             <a:r>
+              <a:rPr lang="zh-CN" altLang="en-US" dirty="0"/>
+              <a:t>为什么要读源码，好的框架源码可以帮助我们理解什么是好代码</a:t>
+            </a:r>
+            <a:r>
+              <a:rPr lang="en-US" altLang="zh-CN" dirty="0"/>
+              <a:t>, </a:t>
+            </a:r>
+            <a:r>
+              <a:rPr kumimoji="1" lang="zh-CN" altLang="en-US" dirty="0"/>
+              <a:t>读源码是为了能写出高质量的代码，像</a:t>
+            </a:r>
+            <a:r>
+              <a:rPr kumimoji="1" lang="en-US" altLang="zh-CN" dirty="0" err="1"/>
+              <a:t>vue</a:t>
+            </a:r>
+            <a:r>
+              <a:rPr kumimoji="1" lang="zh-CN" altLang="en-US" dirty="0"/>
+              <a:t> </a:t>
+            </a:r>
+            <a:r>
+              <a:rPr kumimoji="1" lang="en-US" altLang="zh-CN" dirty="0"/>
+              <a:t>spring</a:t>
+            </a:r>
+            <a:r>
+              <a:rPr kumimoji="1" lang="zh-CN" altLang="en-US" dirty="0"/>
+              <a:t>这些框架中有优质的代码可以借鉴，比如设计模式等。</a:t>
+            </a:r>
+            <a:endParaRPr kumimoji="1" lang="en-US" altLang="zh-CN" dirty="0"/>
+          </a:p>
+          <a:p>
+            <a:r>
+              <a:rPr kumimoji="1" lang="en-US" altLang="zh-CN" dirty="0"/>
+              <a:t>Vue</a:t>
+            </a:r>
+            <a:r>
+              <a:rPr kumimoji="1" lang="zh-CN" altLang="en-US" dirty="0"/>
+              <a:t>混合使用了一些</a:t>
+            </a:r>
+            <a:r>
+              <a:rPr kumimoji="1" lang="en-US" altLang="zh-CN" dirty="0" err="1"/>
+              <a:t>javascript</a:t>
+            </a:r>
+            <a:r>
+              <a:rPr kumimoji="1" lang="zh-CN" altLang="en-US"/>
+              <a:t>的设计</a:t>
+            </a:r>
+            <a:r>
+              <a:rPr kumimoji="1" lang="zh-CN" altLang="en-US" dirty="0"/>
+              <a:t>模式</a:t>
+            </a:r>
+          </a:p>
+        </p:txBody>
+      </p:sp>
+    </p:spTree>
+    <p:extLst>
+      <p:ext uri="{BB962C8B-B14F-4D97-AF65-F5344CB8AC3E}">
+        <p14:creationId xmlns:p14="http://schemas.microsoft.com/office/powerpoint/2010/main" val="678499110"/>
+      </p:ext>
+    </p:extLst>
+  </p:cSld>
+  <p:clrMapOvr>
+    <a:masterClrMapping/>
+  </p:clrMapOvr>
+</p:sld>
+</file>
+
+<file path=ppt/slides/slide15.xml><?xml version="1.0" encoding="utf-8"?>
+<p:sld xmlns:a="http://schemas.openxmlformats.org/drawingml/2006/main" xmlns:r="http://schemas.openxmlformats.org/officeDocument/2006/relationships" xmlns:p="http://schemas.openxmlformats.org/presentationml/2006/main">
+  <p:cSld>
+    <p:spTree>
+      <p:nvGrpSpPr>
+        <p:cNvPr id="1" name=""/>
+        <p:cNvGrpSpPr/>
+        <p:nvPr/>
+      </p:nvGrpSpPr>
+      <p:grpSpPr>
+        <a:xfrm>
+          <a:off x="0" y="0"/>
+          <a:ext cx="0" cy="0"/>
+          <a:chOff x="0" y="0"/>
+          <a:chExt cx="0" cy="0"/>
+        </a:xfrm>
+      </p:grpSpPr>
+      <p:sp>
+        <p:nvSpPr>
+          <p:cNvPr id="2" name="标题 1">
+            <a:extLst>
+              <a:ext uri="{FF2B5EF4-FFF2-40B4-BE49-F238E27FC236}">
+                <a16:creationId xmlns:a16="http://schemas.microsoft.com/office/drawing/2014/main" id="{BA2BAD76-EF03-494F-B898-FDF4535EFC18}"/>
+              </a:ext>
+            </a:extLst>
+          </p:cNvPr>
+          <p:cNvSpPr>
+            <a:spLocks noGrp="1"/>
+          </p:cNvSpPr>
+          <p:nvPr>
+            <p:ph type="title"/>
+          </p:nvPr>
+        </p:nvSpPr>
+        <p:spPr>
+          <a:xfrm>
+            <a:off x="838200" y="365125"/>
+            <a:ext cx="10515600" cy="1013509"/>
+          </a:xfrm>
+        </p:spPr>
+        <p:txBody>
+          <a:bodyPr>
+            <a:normAutofit/>
+          </a:bodyPr>
+          <a:lstStyle/>
+          <a:p>
+            <a:pPr marL="571500" indent="-571500">
+              <a:buFont typeface="Wingdings" pitchFamily="2" charset="2"/>
+              <a:buChar char="Ø"/>
+            </a:pPr>
+            <a:r>
+              <a:rPr kumimoji="1" lang="en-US" altLang="zh-CN" sz="3600" dirty="0"/>
+              <a:t>Vue</a:t>
+            </a:r>
+            <a:r>
+              <a:rPr kumimoji="1" lang="zh-CN" altLang="en-US" sz="3600" dirty="0"/>
+              <a:t>中的设计模式</a:t>
+            </a:r>
+          </a:p>
+        </p:txBody>
+      </p:sp>
+      <p:sp>
+        <p:nvSpPr>
+          <p:cNvPr id="3" name="内容占位符 2">
+            <a:extLst>
+              <a:ext uri="{FF2B5EF4-FFF2-40B4-BE49-F238E27FC236}">
+                <a16:creationId xmlns:a16="http://schemas.microsoft.com/office/drawing/2014/main" id="{AE9C3B86-A401-0B4F-9654-A6755BB22487}"/>
+              </a:ext>
+            </a:extLst>
+          </p:cNvPr>
+          <p:cNvSpPr>
+            <a:spLocks noGrp="1"/>
+          </p:cNvSpPr>
+          <p:nvPr>
+            <p:ph idx="1"/>
+          </p:nvPr>
+        </p:nvSpPr>
+        <p:spPr>
+          <a:xfrm>
+            <a:off x="838200" y="1505243"/>
+            <a:ext cx="10515600" cy="4671720"/>
+          </a:xfrm>
+        </p:spPr>
+        <p:txBody>
+          <a:bodyPr/>
+          <a:lstStyle/>
+          <a:p>
+            <a:r>
               <a:rPr kumimoji="1" lang="zh-CN" altLang="en-US" dirty="0"/>
               <a:t>观察者模式</a:t>
             </a:r>
@@ -5080,7 +5247,7 @@
 </p:sld>
 </file>
 
-<file path=ppt/slides/slide15.xml><?xml version="1.0" encoding="utf-8"?>
+<file path=ppt/slides/slide16.xml><?xml version="1.0" encoding="utf-8"?>
 <p:sld xmlns:a="http://schemas.openxmlformats.org/drawingml/2006/main" xmlns:r="http://schemas.openxmlformats.org/officeDocument/2006/relationships" xmlns:p="http://schemas.openxmlformats.org/presentationml/2006/main">
   <p:cSld>
     <p:spTree>
@@ -5241,7 +5408,7 @@
 </p:sld>
 </file>
 
-<file path=ppt/slides/slide16.xml><?xml version="1.0" encoding="utf-8"?>
+<file path=ppt/slides/slide17.xml><?xml version="1.0" encoding="utf-8"?>
 <p:sld xmlns:a="http://schemas.openxmlformats.org/drawingml/2006/main" xmlns:r="http://schemas.openxmlformats.org/officeDocument/2006/relationships" xmlns:p="http://schemas.openxmlformats.org/presentationml/2006/main">
   <p:cSld>
     <p:spTree>
@@ -5870,6 +6037,137 @@
           <p:cNvPr id="2" name="标题 1">
             <a:extLst>
               <a:ext uri="{FF2B5EF4-FFF2-40B4-BE49-F238E27FC236}">
+                <a16:creationId xmlns:a16="http://schemas.microsoft.com/office/drawing/2014/main" id="{71C74B69-0139-4F03-ABBE-914DB28BE540}"/>
+              </a:ext>
+            </a:extLst>
+          </p:cNvPr>
+          <p:cNvSpPr>
+            <a:spLocks noGrp="1"/>
+          </p:cNvSpPr>
+          <p:nvPr>
+            <p:ph type="title"/>
+          </p:nvPr>
+        </p:nvSpPr>
+        <p:spPr/>
+        <p:txBody>
+          <a:bodyPr>
+            <a:normAutofit/>
+          </a:bodyPr>
+          <a:lstStyle/>
+          <a:p>
+            <a:pPr marL="571500" indent="-571500">
+              <a:buFont typeface="Wingdings" panose="05000000000000000000" pitchFamily="2" charset="2"/>
+              <a:buChar char="Ø"/>
+            </a:pPr>
+            <a:r>
+              <a:rPr lang="zh-CN" altLang="en-US" sz="3600" dirty="0"/>
+              <a:t>变化侦测</a:t>
+            </a:r>
+          </a:p>
+        </p:txBody>
+      </p:sp>
+      <p:sp>
+        <p:nvSpPr>
+          <p:cNvPr id="3" name="内容占位符 2">
+            <a:extLst>
+              <a:ext uri="{FF2B5EF4-FFF2-40B4-BE49-F238E27FC236}">
+                <a16:creationId xmlns:a16="http://schemas.microsoft.com/office/drawing/2014/main" id="{FC0FAC80-2D81-444F-BF10-6365C8A79A95}"/>
+              </a:ext>
+            </a:extLst>
+          </p:cNvPr>
+          <p:cNvSpPr>
+            <a:spLocks noGrp="1"/>
+          </p:cNvSpPr>
+          <p:nvPr>
+            <p:ph idx="1"/>
+          </p:nvPr>
+        </p:nvSpPr>
+        <p:spPr>
+          <a:xfrm>
+            <a:off x="838200" y="1690688"/>
+            <a:ext cx="10515600" cy="4486275"/>
+          </a:xfrm>
+        </p:spPr>
+        <p:txBody>
+          <a:bodyPr/>
+          <a:lstStyle/>
+          <a:p>
+            <a:r>
+              <a:rPr lang="en-US" altLang="zh-CN" dirty="0"/>
+              <a:t>UML</a:t>
+            </a:r>
+            <a:r>
+              <a:rPr lang="zh-CN" altLang="en-US" dirty="0"/>
+              <a:t>类图</a:t>
+            </a:r>
+          </a:p>
+        </p:txBody>
+      </p:sp>
+      <p:pic>
+        <p:nvPicPr>
+          <p:cNvPr id="6" name="图片 5">
+            <a:extLst>
+              <a:ext uri="{FF2B5EF4-FFF2-40B4-BE49-F238E27FC236}">
+                <a16:creationId xmlns:a16="http://schemas.microsoft.com/office/drawing/2014/main" id="{639D7EF8-0230-C84F-812D-571C59638411}"/>
+              </a:ext>
+            </a:extLst>
+          </p:cNvPr>
+          <p:cNvPicPr>
+            <a:picLocks noChangeAspect="1"/>
+          </p:cNvPicPr>
+          <p:nvPr/>
+        </p:nvPicPr>
+        <p:blipFill>
+          <a:blip r:embed="rId2"/>
+          <a:stretch>
+            <a:fillRect/>
+          </a:stretch>
+        </p:blipFill>
+        <p:spPr>
+          <a:xfrm>
+            <a:off x="1951790" y="2646613"/>
+            <a:ext cx="4318000" cy="2984500"/>
+          </a:xfrm>
+          <a:prstGeom prst="rect">
+            <a:avLst/>
+          </a:prstGeom>
+        </p:spPr>
+      </p:pic>
+    </p:spTree>
+    <p:extLst>
+      <p:ext uri="{BB962C8B-B14F-4D97-AF65-F5344CB8AC3E}">
+        <p14:creationId xmlns:p14="http://schemas.microsoft.com/office/powerpoint/2010/main" val="1488859700"/>
+      </p:ext>
+    </p:extLst>
+  </p:cSld>
+  <p:clrMapOvr>
+    <a:masterClrMapping/>
+  </p:clrMapOvr>
+</p:sld>
+</file>
+
+<file path=ppt/slides/slide6.xml><?xml version="1.0" encoding="utf-8"?>
+<p:sld xmlns:a="http://schemas.openxmlformats.org/drawingml/2006/main" xmlns:r="http://schemas.openxmlformats.org/officeDocument/2006/relationships" xmlns:p="http://schemas.openxmlformats.org/presentationml/2006/main">
+  <p:cSld>
+    <p:spTree>
+      <p:nvGrpSpPr>
+        <p:cNvPr id="1" name=""/>
+        <p:cNvGrpSpPr/>
+        <p:nvPr/>
+      </p:nvGrpSpPr>
+      <p:grpSpPr>
+        <a:xfrm>
+          <a:off x="0" y="0"/>
+          <a:ext cx="0" cy="0"/>
+          <a:chOff x="0" y="0"/>
+          <a:chExt cx="0" cy="0"/>
+        </a:xfrm>
+      </p:grpSpPr>
+      <p:sp>
+        <p:nvSpPr>
+          <p:cNvPr id="2" name="标题 1">
+            <a:extLst>
+              <a:ext uri="{FF2B5EF4-FFF2-40B4-BE49-F238E27FC236}">
                 <a16:creationId xmlns:a16="http://schemas.microsoft.com/office/drawing/2014/main" id="{A113A1D3-2182-4CE9-8BB1-DE2155A43F25}"/>
               </a:ext>
             </a:extLst>
@@ -6033,7 +6331,7 @@
 </p:sld>
 </file>
 
-<file path=ppt/slides/slide6.xml><?xml version="1.0" encoding="utf-8"?>
+<file path=ppt/slides/slide7.xml><?xml version="1.0" encoding="utf-8"?>
 <p:sld xmlns:a="http://schemas.openxmlformats.org/drawingml/2006/main" xmlns:r="http://schemas.openxmlformats.org/officeDocument/2006/relationships" xmlns:p="http://schemas.openxmlformats.org/presentationml/2006/main">
   <p:cSld>
     <p:spTree>
@@ -6200,7 +6498,7 @@
 </p:sld>
 </file>
 
-<file path=ppt/slides/slide7.xml><?xml version="1.0" encoding="utf-8"?>
+<file path=ppt/slides/slide8.xml><?xml version="1.0" encoding="utf-8"?>
 <p:sld xmlns:a="http://schemas.openxmlformats.org/drawingml/2006/main" xmlns:r="http://schemas.openxmlformats.org/officeDocument/2006/relationships" xmlns:p="http://schemas.openxmlformats.org/presentationml/2006/main">
   <p:cSld>
     <p:spTree>
@@ -6352,7 +6650,7 @@
 </p:sld>
 </file>
 
-<file path=ppt/slides/slide8.xml><?xml version="1.0" encoding="utf-8"?>
+<file path=ppt/slides/slide9.xml><?xml version="1.0" encoding="utf-8"?>
 <p:sld xmlns:a="http://schemas.openxmlformats.org/drawingml/2006/main" xmlns:r="http://schemas.openxmlformats.org/officeDocument/2006/relationships" xmlns:p="http://schemas.openxmlformats.org/presentationml/2006/main">
   <p:cSld>
     <p:spTree>
@@ -6491,172 +6789,6 @@
     <p:extLst>
       <p:ext uri="{BB962C8B-B14F-4D97-AF65-F5344CB8AC3E}">
         <p14:creationId xmlns:p14="http://schemas.microsoft.com/office/powerpoint/2010/main" val="3695403315"/>
-      </p:ext>
-    </p:extLst>
-  </p:cSld>
-  <p:clrMapOvr>
-    <a:masterClrMapping/>
-  </p:clrMapOvr>
-</p:sld>
-</file>
-
-<file path=ppt/slides/slide9.xml><?xml version="1.0" encoding="utf-8"?>
-<p:sld xmlns:a="http://schemas.openxmlformats.org/drawingml/2006/main" xmlns:r="http://schemas.openxmlformats.org/officeDocument/2006/relationships" xmlns:p="http://schemas.openxmlformats.org/presentationml/2006/main">
-  <p:cSld>
-    <p:spTree>
-      <p:nvGrpSpPr>
-        <p:cNvPr id="1" name=""/>
-        <p:cNvGrpSpPr/>
-        <p:nvPr/>
-      </p:nvGrpSpPr>
-      <p:grpSpPr>
-        <a:xfrm>
-          <a:off x="0" y="0"/>
-          <a:ext cx="0" cy="0"/>
-          <a:chOff x="0" y="0"/>
-          <a:chExt cx="0" cy="0"/>
-        </a:xfrm>
-      </p:grpSpPr>
-      <p:sp>
-        <p:nvSpPr>
-          <p:cNvPr id="2" name="标题 1">
-            <a:extLst>
-              <a:ext uri="{FF2B5EF4-FFF2-40B4-BE49-F238E27FC236}">
-                <a16:creationId xmlns:a16="http://schemas.microsoft.com/office/drawing/2014/main" id="{9CF7C433-E3F2-4A18-8ED8-7C0937662ED4}"/>
-              </a:ext>
-            </a:extLst>
-          </p:cNvPr>
-          <p:cNvSpPr>
-            <a:spLocks noGrp="1"/>
-          </p:cNvSpPr>
-          <p:nvPr>
-            <p:ph type="title"/>
-          </p:nvPr>
-        </p:nvSpPr>
-        <p:spPr>
-          <a:xfrm>
-            <a:off x="838200" y="365126"/>
-            <a:ext cx="10515600" cy="880578"/>
-          </a:xfrm>
-        </p:spPr>
-        <p:txBody>
-          <a:bodyPr>
-            <a:normAutofit/>
-          </a:bodyPr>
-          <a:lstStyle/>
-          <a:p>
-            <a:r>
-              <a:rPr lang="zh-CN" altLang="en-US" sz="3600" dirty="0"/>
-              <a:t>模板编译原理</a:t>
-            </a:r>
-          </a:p>
-        </p:txBody>
-      </p:sp>
-      <p:sp>
-        <p:nvSpPr>
-          <p:cNvPr id="3" name="内容占位符 2">
-            <a:extLst>
-              <a:ext uri="{FF2B5EF4-FFF2-40B4-BE49-F238E27FC236}">
-                <a16:creationId xmlns:a16="http://schemas.microsoft.com/office/drawing/2014/main" id="{9719F1A7-3246-45FB-A189-0898FBD8CA11}"/>
-              </a:ext>
-            </a:extLst>
-          </p:cNvPr>
-          <p:cNvSpPr>
-            <a:spLocks noGrp="1"/>
-          </p:cNvSpPr>
-          <p:nvPr>
-            <p:ph idx="1"/>
-          </p:nvPr>
-        </p:nvSpPr>
-        <p:spPr>
-          <a:xfrm>
-            <a:off x="838200" y="1431236"/>
-            <a:ext cx="10515600" cy="4745727"/>
-          </a:xfrm>
-        </p:spPr>
-        <p:txBody>
-          <a:bodyPr/>
-          <a:lstStyle/>
-          <a:p>
-            <a:r>
-              <a:rPr lang="zh-CN" altLang="en-US" dirty="0"/>
-              <a:t>解析器生成</a:t>
-            </a:r>
-            <a:r>
-              <a:rPr lang="en-US" altLang="zh-CN" dirty="0"/>
-              <a:t>AST</a:t>
-            </a:r>
-            <a:r>
-              <a:rPr lang="zh-CN" altLang="en-US" dirty="0"/>
-              <a:t>抽象语法树示例</a:t>
-            </a:r>
-          </a:p>
-        </p:txBody>
-      </p:sp>
-      <p:pic>
-        <p:nvPicPr>
-          <p:cNvPr id="4" name="图片 3">
-            <a:extLst>
-              <a:ext uri="{FF2B5EF4-FFF2-40B4-BE49-F238E27FC236}">
-                <a16:creationId xmlns:a16="http://schemas.microsoft.com/office/drawing/2014/main" id="{E332CDF2-E449-4EB3-8BE4-EB1BE7F2A90D}"/>
-              </a:ext>
-            </a:extLst>
-          </p:cNvPr>
-          <p:cNvPicPr>
-            <a:picLocks noChangeAspect="1"/>
-          </p:cNvPicPr>
-          <p:nvPr/>
-        </p:nvPicPr>
-        <p:blipFill>
-          <a:blip r:embed="rId2"/>
-          <a:stretch>
-            <a:fillRect/>
-          </a:stretch>
-        </p:blipFill>
-        <p:spPr>
-          <a:xfrm>
-            <a:off x="838200" y="2025073"/>
-            <a:ext cx="1930499" cy="952549"/>
-          </a:xfrm>
-          <a:prstGeom prst="rect">
-            <a:avLst/>
-          </a:prstGeom>
-        </p:spPr>
-      </p:pic>
-      <p:pic>
-        <p:nvPicPr>
-          <p:cNvPr id="5" name="图片 4">
-            <a:extLst>
-              <a:ext uri="{FF2B5EF4-FFF2-40B4-BE49-F238E27FC236}">
-                <a16:creationId xmlns:a16="http://schemas.microsoft.com/office/drawing/2014/main" id="{ADF2B54C-8D9F-4E0F-B2C3-8B2CC72AE401}"/>
-              </a:ext>
-            </a:extLst>
-          </p:cNvPr>
-          <p:cNvPicPr>
-            <a:picLocks noChangeAspect="1"/>
-          </p:cNvPicPr>
-          <p:nvPr/>
-        </p:nvPicPr>
-        <p:blipFill>
-          <a:blip r:embed="rId3"/>
-          <a:stretch>
-            <a:fillRect/>
-          </a:stretch>
-        </p:blipFill>
-        <p:spPr>
-          <a:xfrm>
-            <a:off x="6096000" y="88648"/>
-            <a:ext cx="3683189" cy="6667843"/>
-          </a:xfrm>
-          <a:prstGeom prst="rect">
-            <a:avLst/>
-          </a:prstGeom>
-        </p:spPr>
-      </p:pic>
-    </p:spTree>
-    <p:extLst>
-      <p:ext uri="{BB962C8B-B14F-4D97-AF65-F5344CB8AC3E}">
-        <p14:creationId xmlns:p14="http://schemas.microsoft.com/office/powerpoint/2010/main" val="1842183531"/>
       </p:ext>
     </p:extLst>
   </p:cSld>
